--- a/slides/badge-labels-2X5.pptx
+++ b/slides/badge-labels-2X5.pptx
@@ -243,7 +243,7 @@
           <a:p>
             <a:fld id="{24303E7E-1725-514D-9C6E-C71B5AB431A0}" type="datetimeFigureOut">
               <a:rPr lang="en-US" smtClean="0"/>
-              <a:t>12/15/23</a:t>
+              <a:t>12/26/23</a:t>
             </a:fld>
             <a:endParaRPr lang="en-US"/>
           </a:p>
@@ -413,7 +413,7 @@
           <a:p>
             <a:fld id="{24303E7E-1725-514D-9C6E-C71B5AB431A0}" type="datetimeFigureOut">
               <a:rPr lang="en-US" smtClean="0"/>
-              <a:t>12/15/23</a:t>
+              <a:t>12/26/23</a:t>
             </a:fld>
             <a:endParaRPr lang="en-US"/>
           </a:p>
@@ -593,7 +593,7 @@
           <a:p>
             <a:fld id="{24303E7E-1725-514D-9C6E-C71B5AB431A0}" type="datetimeFigureOut">
               <a:rPr lang="en-US" smtClean="0"/>
-              <a:t>12/15/23</a:t>
+              <a:t>12/26/23</a:t>
             </a:fld>
             <a:endParaRPr lang="en-US"/>
           </a:p>
@@ -763,7 +763,7 @@
           <a:p>
             <a:fld id="{24303E7E-1725-514D-9C6E-C71B5AB431A0}" type="datetimeFigureOut">
               <a:rPr lang="en-US" smtClean="0"/>
-              <a:t>12/15/23</a:t>
+              <a:t>12/26/23</a:t>
             </a:fld>
             <a:endParaRPr lang="en-US"/>
           </a:p>
@@ -1007,7 +1007,7 @@
           <a:p>
             <a:fld id="{24303E7E-1725-514D-9C6E-C71B5AB431A0}" type="datetimeFigureOut">
               <a:rPr lang="en-US" smtClean="0"/>
-              <a:t>12/15/23</a:t>
+              <a:t>12/26/23</a:t>
             </a:fld>
             <a:endParaRPr lang="en-US"/>
           </a:p>
@@ -1239,7 +1239,7 @@
           <a:p>
             <a:fld id="{24303E7E-1725-514D-9C6E-C71B5AB431A0}" type="datetimeFigureOut">
               <a:rPr lang="en-US" smtClean="0"/>
-              <a:t>12/15/23</a:t>
+              <a:t>12/26/23</a:t>
             </a:fld>
             <a:endParaRPr lang="en-US"/>
           </a:p>
@@ -1606,7 +1606,7 @@
           <a:p>
             <a:fld id="{24303E7E-1725-514D-9C6E-C71B5AB431A0}" type="datetimeFigureOut">
               <a:rPr lang="en-US" smtClean="0"/>
-              <a:t>12/15/23</a:t>
+              <a:t>12/26/23</a:t>
             </a:fld>
             <a:endParaRPr lang="en-US"/>
           </a:p>
@@ -1724,7 +1724,7 @@
           <a:p>
             <a:fld id="{24303E7E-1725-514D-9C6E-C71B5AB431A0}" type="datetimeFigureOut">
               <a:rPr lang="en-US" smtClean="0"/>
-              <a:t>12/15/23</a:t>
+              <a:t>12/26/23</a:t>
             </a:fld>
             <a:endParaRPr lang="en-US"/>
           </a:p>
@@ -1819,7 +1819,7 @@
           <a:p>
             <a:fld id="{24303E7E-1725-514D-9C6E-C71B5AB431A0}" type="datetimeFigureOut">
               <a:rPr lang="en-US" smtClean="0"/>
-              <a:t>12/15/23</a:t>
+              <a:t>12/26/23</a:t>
             </a:fld>
             <a:endParaRPr lang="en-US"/>
           </a:p>
@@ -2096,7 +2096,7 @@
           <a:p>
             <a:fld id="{24303E7E-1725-514D-9C6E-C71B5AB431A0}" type="datetimeFigureOut">
               <a:rPr lang="en-US" smtClean="0"/>
-              <a:t>12/15/23</a:t>
+              <a:t>12/26/23</a:t>
             </a:fld>
             <a:endParaRPr lang="en-US"/>
           </a:p>
@@ -2353,7 +2353,7 @@
           <a:p>
             <a:fld id="{24303E7E-1725-514D-9C6E-C71B5AB431A0}" type="datetimeFigureOut">
               <a:rPr lang="en-US" smtClean="0"/>
-              <a:t>12/15/23</a:t>
+              <a:t>12/26/23</a:t>
             </a:fld>
             <a:endParaRPr lang="en-US"/>
           </a:p>
@@ -2566,7 +2566,7 @@
           <a:p>
             <a:fld id="{24303E7E-1725-514D-9C6E-C71B5AB431A0}" type="datetimeFigureOut">
               <a:rPr lang="en-US" smtClean="0"/>
-              <a:t>12/15/23</a:t>
+              <a:t>12/26/23</a:t>
             </a:fld>
             <a:endParaRPr lang="en-US"/>
           </a:p>
@@ -5502,7 +5502,7 @@
                 </a:avLst>
               </a:prstGeom>
               <a:solidFill>
-                <a:srgbClr val="C00000"/>
+                <a:srgbClr val="FF85FF"/>
               </a:solidFill>
               <a:ln>
                 <a:noFill/>
@@ -8021,7 +8021,7 @@
                     </a:avLst>
                   </a:prstGeom>
                   <a:solidFill>
-                    <a:srgbClr val="00B0F0"/>
+                    <a:srgbClr val="002060"/>
                   </a:solidFill>
                   <a:ln>
                     <a:noFill/>
@@ -12731,7 +12731,7 @@
                 </a:avLst>
               </a:prstGeom>
               <a:solidFill>
-                <a:srgbClr val="C00000"/>
+                <a:srgbClr val="FF85FF"/>
               </a:solidFill>
               <a:ln>
                 <a:noFill/>
